--- a/3_websocket_tgbot.pptx
+++ b/3_websocket_tgbot.pptx
@@ -6,9 +6,9 @@
   </p:sldMasterIdLst>
   <p:sldIdLst>
     <p:sldId id="256" r:id="rId2"/>
-    <p:sldId id="259" r:id="rId3"/>
-    <p:sldId id="257" r:id="rId4"/>
-    <p:sldId id="258" r:id="rId5"/>
+    <p:sldId id="257" r:id="rId3"/>
+    <p:sldId id="258" r:id="rId4"/>
+    <p:sldId id="261" r:id="rId5"/>
     <p:sldId id="260" r:id="rId6"/>
   </p:sldIdLst>
   <p:sldSz cx="12192000" cy="6858000"/>
@@ -263,7 +263,7 @@
           <a:p>
             <a:fld id="{0F075BDC-DAFF-45A9-86E9-A0ED72DF0971}" type="datetimeFigureOut">
               <a:rPr lang="zh-TW" altLang="en-US" smtClean="0"/>
-              <a:t>2025/7/25</a:t>
+              <a:t>2025/7/26</a:t>
             </a:fld>
             <a:endParaRPr lang="zh-TW" altLang="en-US"/>
           </a:p>
@@ -461,7 +461,7 @@
           <a:p>
             <a:fld id="{0F075BDC-DAFF-45A9-86E9-A0ED72DF0971}" type="datetimeFigureOut">
               <a:rPr lang="zh-TW" altLang="en-US" smtClean="0"/>
-              <a:t>2025/7/25</a:t>
+              <a:t>2025/7/26</a:t>
             </a:fld>
             <a:endParaRPr lang="zh-TW" altLang="en-US"/>
           </a:p>
@@ -669,7 +669,7 @@
           <a:p>
             <a:fld id="{0F075BDC-DAFF-45A9-86E9-A0ED72DF0971}" type="datetimeFigureOut">
               <a:rPr lang="zh-TW" altLang="en-US" smtClean="0"/>
-              <a:t>2025/7/25</a:t>
+              <a:t>2025/7/26</a:t>
             </a:fld>
             <a:endParaRPr lang="zh-TW" altLang="en-US"/>
           </a:p>
@@ -867,7 +867,7 @@
           <a:p>
             <a:fld id="{0F075BDC-DAFF-45A9-86E9-A0ED72DF0971}" type="datetimeFigureOut">
               <a:rPr lang="zh-TW" altLang="en-US" smtClean="0"/>
-              <a:t>2025/7/25</a:t>
+              <a:t>2025/7/26</a:t>
             </a:fld>
             <a:endParaRPr lang="zh-TW" altLang="en-US"/>
           </a:p>
@@ -1142,7 +1142,7 @@
           <a:p>
             <a:fld id="{0F075BDC-DAFF-45A9-86E9-A0ED72DF0971}" type="datetimeFigureOut">
               <a:rPr lang="zh-TW" altLang="en-US" smtClean="0"/>
-              <a:t>2025/7/25</a:t>
+              <a:t>2025/7/26</a:t>
             </a:fld>
             <a:endParaRPr lang="zh-TW" altLang="en-US"/>
           </a:p>
@@ -1407,7 +1407,7 @@
           <a:p>
             <a:fld id="{0F075BDC-DAFF-45A9-86E9-A0ED72DF0971}" type="datetimeFigureOut">
               <a:rPr lang="zh-TW" altLang="en-US" smtClean="0"/>
-              <a:t>2025/7/25</a:t>
+              <a:t>2025/7/26</a:t>
             </a:fld>
             <a:endParaRPr lang="zh-TW" altLang="en-US"/>
           </a:p>
@@ -1819,7 +1819,7 @@
           <a:p>
             <a:fld id="{0F075BDC-DAFF-45A9-86E9-A0ED72DF0971}" type="datetimeFigureOut">
               <a:rPr lang="zh-TW" altLang="en-US" smtClean="0"/>
-              <a:t>2025/7/25</a:t>
+              <a:t>2025/7/26</a:t>
             </a:fld>
             <a:endParaRPr lang="zh-TW" altLang="en-US"/>
           </a:p>
@@ -1960,7 +1960,7 @@
           <a:p>
             <a:fld id="{0F075BDC-DAFF-45A9-86E9-A0ED72DF0971}" type="datetimeFigureOut">
               <a:rPr lang="zh-TW" altLang="en-US" smtClean="0"/>
-              <a:t>2025/7/25</a:t>
+              <a:t>2025/7/26</a:t>
             </a:fld>
             <a:endParaRPr lang="zh-TW" altLang="en-US"/>
           </a:p>
@@ -2073,7 +2073,7 @@
           <a:p>
             <a:fld id="{0F075BDC-DAFF-45A9-86E9-A0ED72DF0971}" type="datetimeFigureOut">
               <a:rPr lang="zh-TW" altLang="en-US" smtClean="0"/>
-              <a:t>2025/7/25</a:t>
+              <a:t>2025/7/26</a:t>
             </a:fld>
             <a:endParaRPr lang="zh-TW" altLang="en-US"/>
           </a:p>
@@ -2384,7 +2384,7 @@
           <a:p>
             <a:fld id="{0F075BDC-DAFF-45A9-86E9-A0ED72DF0971}" type="datetimeFigureOut">
               <a:rPr lang="zh-TW" altLang="en-US" smtClean="0"/>
-              <a:t>2025/7/25</a:t>
+              <a:t>2025/7/26</a:t>
             </a:fld>
             <a:endParaRPr lang="zh-TW" altLang="en-US"/>
           </a:p>
@@ -2672,7 +2672,7 @@
           <a:p>
             <a:fld id="{0F075BDC-DAFF-45A9-86E9-A0ED72DF0971}" type="datetimeFigureOut">
               <a:rPr lang="zh-TW" altLang="en-US" smtClean="0"/>
-              <a:t>2025/7/25</a:t>
+              <a:t>2025/7/26</a:t>
             </a:fld>
             <a:endParaRPr lang="zh-TW" altLang="en-US"/>
           </a:p>
@@ -2913,7 +2913,7 @@
           <a:p>
             <a:fld id="{0F075BDC-DAFF-45A9-86E9-A0ED72DF0971}" type="datetimeFigureOut">
               <a:rPr lang="zh-TW" altLang="en-US" smtClean="0"/>
-              <a:t>2025/7/25</a:t>
+              <a:t>2025/7/26</a:t>
             </a:fld>
             <a:endParaRPr lang="zh-TW" altLang="en-US"/>
           </a:p>
@@ -3435,102 +3435,6 @@
           <p:cNvPr id="2" name="標題 1">
             <a:extLst>
               <a:ext uri="{FF2B5EF4-FFF2-40B4-BE49-F238E27FC236}">
-                <a16:creationId xmlns:a16="http://schemas.microsoft.com/office/drawing/2014/main" id="{981F5346-6883-5BB9-AB2F-259134948382}"/>
-              </a:ext>
-            </a:extLst>
-          </p:cNvPr>
-          <p:cNvSpPr>
-            <a:spLocks noGrp="1"/>
-          </p:cNvSpPr>
-          <p:nvPr>
-            <p:ph type="title"/>
-          </p:nvPr>
-        </p:nvSpPr>
-        <p:spPr/>
-        <p:txBody>
-          <a:bodyPr/>
-          <a:lstStyle/>
-          <a:p>
-            <a:r>
-              <a:rPr lang="zh-TW" altLang="en-US" dirty="0"/>
-              <a:t>看 </a:t>
-            </a:r>
-            <a:r>
-              <a:rPr lang="en-US" altLang="zh-TW" dirty="0" err="1"/>
-              <a:t>vscode</a:t>
-            </a:r>
-            <a:r>
-              <a:rPr lang="zh-TW" altLang="en-US" dirty="0"/>
-              <a:t> 講解 </a:t>
-            </a:r>
-            <a:r>
-              <a:rPr lang="en-US" altLang="zh-TW" dirty="0" err="1"/>
-              <a:t>Websocket</a:t>
-            </a:r>
-            <a:endParaRPr lang="zh-TW" altLang="en-US" dirty="0"/>
-          </a:p>
-        </p:txBody>
-      </p:sp>
-      <p:sp>
-        <p:nvSpPr>
-          <p:cNvPr id="3" name="內容版面配置區 2">
-            <a:extLst>
-              <a:ext uri="{FF2B5EF4-FFF2-40B4-BE49-F238E27FC236}">
-                <a16:creationId xmlns:a16="http://schemas.microsoft.com/office/drawing/2014/main" id="{4C71B7DC-EE93-8B5A-F054-04E5AFB77A30}"/>
-              </a:ext>
-            </a:extLst>
-          </p:cNvPr>
-          <p:cNvSpPr>
-            <a:spLocks noGrp="1"/>
-          </p:cNvSpPr>
-          <p:nvPr>
-            <p:ph idx="1"/>
-          </p:nvPr>
-        </p:nvSpPr>
-        <p:spPr/>
-        <p:txBody>
-          <a:bodyPr/>
-          <a:lstStyle/>
-          <a:p>
-            <a:endParaRPr lang="zh-TW" altLang="en-US"/>
-          </a:p>
-        </p:txBody>
-      </p:sp>
-    </p:spTree>
-    <p:extLst>
-      <p:ext uri="{BB962C8B-B14F-4D97-AF65-F5344CB8AC3E}">
-        <p14:creationId xmlns:p14="http://schemas.microsoft.com/office/powerpoint/2010/main" val="3721663095"/>
-      </p:ext>
-    </p:extLst>
-  </p:cSld>
-  <p:clrMapOvr>
-    <a:masterClrMapping/>
-  </p:clrMapOvr>
-</p:sld>
-</file>
-
-<file path=ppt/slides/slide3.xml><?xml version="1.0" encoding="utf-8"?>
-<p:sld xmlns:a="http://schemas.openxmlformats.org/drawingml/2006/main" xmlns:r="http://schemas.openxmlformats.org/officeDocument/2006/relationships" xmlns:p="http://schemas.openxmlformats.org/presentationml/2006/main">
-  <p:cSld>
-    <p:spTree>
-      <p:nvGrpSpPr>
-        <p:cNvPr id="1" name=""/>
-        <p:cNvGrpSpPr/>
-        <p:nvPr/>
-      </p:nvGrpSpPr>
-      <p:grpSpPr>
-        <a:xfrm>
-          <a:off x="0" y="0"/>
-          <a:ext cx="0" cy="0"/>
-          <a:chOff x="0" y="0"/>
-          <a:chExt cx="0" cy="0"/>
-        </a:xfrm>
-      </p:grpSpPr>
-      <p:sp>
-        <p:nvSpPr>
-          <p:cNvPr id="2" name="標題 1">
-            <a:extLst>
-              <a:ext uri="{FF2B5EF4-FFF2-40B4-BE49-F238E27FC236}">
                 <a16:creationId xmlns:a16="http://schemas.microsoft.com/office/drawing/2014/main" id="{4150775B-056A-AAA6-484E-3F91E0CDE772}"/>
               </a:ext>
             </a:extLst>
@@ -3593,7 +3497,7 @@
 </p:sld>
 </file>
 
-<file path=ppt/slides/slide4.xml><?xml version="1.0" encoding="utf-8"?>
+<file path=ppt/slides/slide3.xml><?xml version="1.0" encoding="utf-8"?>
 <p:sld xmlns:a="http://schemas.openxmlformats.org/drawingml/2006/main" xmlns:r="http://schemas.openxmlformats.org/officeDocument/2006/relationships" xmlns:p="http://schemas.openxmlformats.org/presentationml/2006/main">
   <p:cSld>
     <p:spTree>
@@ -3668,6 +3572,116 @@
     <p:extLst>
       <p:ext uri="{BB962C8B-B14F-4D97-AF65-F5344CB8AC3E}">
         <p14:creationId xmlns:p14="http://schemas.microsoft.com/office/powerpoint/2010/main" val="2869290280"/>
+      </p:ext>
+    </p:extLst>
+  </p:cSld>
+  <p:clrMapOvr>
+    <a:masterClrMapping/>
+  </p:clrMapOvr>
+</p:sld>
+</file>
+
+<file path=ppt/slides/slide4.xml><?xml version="1.0" encoding="utf-8"?>
+<p:sld xmlns:a="http://schemas.openxmlformats.org/drawingml/2006/main" xmlns:r="http://schemas.openxmlformats.org/officeDocument/2006/relationships" xmlns:p="http://schemas.openxmlformats.org/presentationml/2006/main">
+  <p:cSld>
+    <p:spTree>
+      <p:nvGrpSpPr>
+        <p:cNvPr id="1" name=""/>
+        <p:cNvGrpSpPr/>
+        <p:nvPr/>
+      </p:nvGrpSpPr>
+      <p:grpSpPr>
+        <a:xfrm>
+          <a:off x="0" y="0"/>
+          <a:ext cx="0" cy="0"/>
+          <a:chOff x="0" y="0"/>
+          <a:chExt cx="0" cy="0"/>
+        </a:xfrm>
+      </p:grpSpPr>
+      <p:sp>
+        <p:nvSpPr>
+          <p:cNvPr id="2" name="標題 1">
+            <a:extLst>
+              <a:ext uri="{FF2B5EF4-FFF2-40B4-BE49-F238E27FC236}">
+                <a16:creationId xmlns:a16="http://schemas.microsoft.com/office/drawing/2014/main" id="{0CB8830B-DC8E-81C6-D3C3-0D5C1A88AB49}"/>
+              </a:ext>
+            </a:extLst>
+          </p:cNvPr>
+          <p:cNvSpPr>
+            <a:spLocks noGrp="1"/>
+          </p:cNvSpPr>
+          <p:nvPr>
+            <p:ph type="title"/>
+          </p:nvPr>
+        </p:nvSpPr>
+        <p:spPr/>
+        <p:txBody>
+          <a:bodyPr/>
+          <a:lstStyle/>
+          <a:p>
+            <a:endParaRPr lang="zh-TW" altLang="en-US"/>
+          </a:p>
+        </p:txBody>
+      </p:sp>
+      <p:sp>
+        <p:nvSpPr>
+          <p:cNvPr id="3" name="內容版面配置區 2">
+            <a:extLst>
+              <a:ext uri="{FF2B5EF4-FFF2-40B4-BE49-F238E27FC236}">
+                <a16:creationId xmlns:a16="http://schemas.microsoft.com/office/drawing/2014/main" id="{9C50D500-5BF1-AEE2-A7D6-A93276A6A74D}"/>
+              </a:ext>
+            </a:extLst>
+          </p:cNvPr>
+          <p:cNvSpPr>
+            <a:spLocks noGrp="1"/>
+          </p:cNvSpPr>
+          <p:nvPr>
+            <p:ph idx="1"/>
+          </p:nvPr>
+        </p:nvSpPr>
+        <p:spPr/>
+        <p:txBody>
+          <a:bodyPr/>
+          <a:lstStyle/>
+          <a:p>
+            <a:endParaRPr lang="zh-TW" altLang="en-US"/>
+          </a:p>
+        </p:txBody>
+      </p:sp>
+      <p:pic>
+        <p:nvPicPr>
+          <p:cNvPr id="5" name="圖片 4">
+            <a:extLst>
+              <a:ext uri="{FF2B5EF4-FFF2-40B4-BE49-F238E27FC236}">
+                <a16:creationId xmlns:a16="http://schemas.microsoft.com/office/drawing/2014/main" id="{5EDE60D3-ED05-5C52-34FF-2EEE0B93BCFE}"/>
+              </a:ext>
+            </a:extLst>
+          </p:cNvPr>
+          <p:cNvPicPr>
+            <a:picLocks noChangeAspect="1"/>
+          </p:cNvPicPr>
+          <p:nvPr/>
+        </p:nvPicPr>
+        <p:blipFill>
+          <a:blip r:embed="rId2"/>
+          <a:stretch>
+            <a:fillRect/>
+          </a:stretch>
+        </p:blipFill>
+        <p:spPr>
+          <a:xfrm>
+            <a:off x="2002138" y="316259"/>
+            <a:ext cx="8187724" cy="6225482"/>
+          </a:xfrm>
+          <a:prstGeom prst="rect">
+            <a:avLst/>
+          </a:prstGeom>
+        </p:spPr>
+      </p:pic>
+    </p:spTree>
+    <p:extLst>
+      <p:ext uri="{BB962C8B-B14F-4D97-AF65-F5344CB8AC3E}">
+        <p14:creationId xmlns:p14="http://schemas.microsoft.com/office/powerpoint/2010/main" val="1260571573"/>
       </p:ext>
     </p:extLst>
   </p:cSld>

--- a/3_websocket_tgbot.pptx
+++ b/3_websocket_tgbot.pptx
@@ -10,6 +10,8 @@
     <p:sldId id="258" r:id="rId4"/>
     <p:sldId id="261" r:id="rId5"/>
     <p:sldId id="260" r:id="rId6"/>
+    <p:sldId id="262" r:id="rId7"/>
+    <p:sldId id="263" r:id="rId8"/>
   </p:sldIdLst>
   <p:sldSz cx="12192000" cy="6858000"/>
   <p:notesSz cx="6858000" cy="9144000"/>
@@ -263,7 +265,7 @@
           <a:p>
             <a:fld id="{0F075BDC-DAFF-45A9-86E9-A0ED72DF0971}" type="datetimeFigureOut">
               <a:rPr lang="zh-TW" altLang="en-US" smtClean="0"/>
-              <a:t>2025/7/26</a:t>
+              <a:t>2025/7/28</a:t>
             </a:fld>
             <a:endParaRPr lang="zh-TW" altLang="en-US"/>
           </a:p>
@@ -461,7 +463,7 @@
           <a:p>
             <a:fld id="{0F075BDC-DAFF-45A9-86E9-A0ED72DF0971}" type="datetimeFigureOut">
               <a:rPr lang="zh-TW" altLang="en-US" smtClean="0"/>
-              <a:t>2025/7/26</a:t>
+              <a:t>2025/7/28</a:t>
             </a:fld>
             <a:endParaRPr lang="zh-TW" altLang="en-US"/>
           </a:p>
@@ -669,7 +671,7 @@
           <a:p>
             <a:fld id="{0F075BDC-DAFF-45A9-86E9-A0ED72DF0971}" type="datetimeFigureOut">
               <a:rPr lang="zh-TW" altLang="en-US" smtClean="0"/>
-              <a:t>2025/7/26</a:t>
+              <a:t>2025/7/28</a:t>
             </a:fld>
             <a:endParaRPr lang="zh-TW" altLang="en-US"/>
           </a:p>
@@ -867,7 +869,7 @@
           <a:p>
             <a:fld id="{0F075BDC-DAFF-45A9-86E9-A0ED72DF0971}" type="datetimeFigureOut">
               <a:rPr lang="zh-TW" altLang="en-US" smtClean="0"/>
-              <a:t>2025/7/26</a:t>
+              <a:t>2025/7/28</a:t>
             </a:fld>
             <a:endParaRPr lang="zh-TW" altLang="en-US"/>
           </a:p>
@@ -1142,7 +1144,7 @@
           <a:p>
             <a:fld id="{0F075BDC-DAFF-45A9-86E9-A0ED72DF0971}" type="datetimeFigureOut">
               <a:rPr lang="zh-TW" altLang="en-US" smtClean="0"/>
-              <a:t>2025/7/26</a:t>
+              <a:t>2025/7/28</a:t>
             </a:fld>
             <a:endParaRPr lang="zh-TW" altLang="en-US"/>
           </a:p>
@@ -1407,7 +1409,7 @@
           <a:p>
             <a:fld id="{0F075BDC-DAFF-45A9-86E9-A0ED72DF0971}" type="datetimeFigureOut">
               <a:rPr lang="zh-TW" altLang="en-US" smtClean="0"/>
-              <a:t>2025/7/26</a:t>
+              <a:t>2025/7/28</a:t>
             </a:fld>
             <a:endParaRPr lang="zh-TW" altLang="en-US"/>
           </a:p>
@@ -1819,7 +1821,7 @@
           <a:p>
             <a:fld id="{0F075BDC-DAFF-45A9-86E9-A0ED72DF0971}" type="datetimeFigureOut">
               <a:rPr lang="zh-TW" altLang="en-US" smtClean="0"/>
-              <a:t>2025/7/26</a:t>
+              <a:t>2025/7/28</a:t>
             </a:fld>
             <a:endParaRPr lang="zh-TW" altLang="en-US"/>
           </a:p>
@@ -1960,7 +1962,7 @@
           <a:p>
             <a:fld id="{0F075BDC-DAFF-45A9-86E9-A0ED72DF0971}" type="datetimeFigureOut">
               <a:rPr lang="zh-TW" altLang="en-US" smtClean="0"/>
-              <a:t>2025/7/26</a:t>
+              <a:t>2025/7/28</a:t>
             </a:fld>
             <a:endParaRPr lang="zh-TW" altLang="en-US"/>
           </a:p>
@@ -2073,7 +2075,7 @@
           <a:p>
             <a:fld id="{0F075BDC-DAFF-45A9-86E9-A0ED72DF0971}" type="datetimeFigureOut">
               <a:rPr lang="zh-TW" altLang="en-US" smtClean="0"/>
-              <a:t>2025/7/26</a:t>
+              <a:t>2025/7/28</a:t>
             </a:fld>
             <a:endParaRPr lang="zh-TW" altLang="en-US"/>
           </a:p>
@@ -2384,7 +2386,7 @@
           <a:p>
             <a:fld id="{0F075BDC-DAFF-45A9-86E9-A0ED72DF0971}" type="datetimeFigureOut">
               <a:rPr lang="zh-TW" altLang="en-US" smtClean="0"/>
-              <a:t>2025/7/26</a:t>
+              <a:t>2025/7/28</a:t>
             </a:fld>
             <a:endParaRPr lang="zh-TW" altLang="en-US"/>
           </a:p>
@@ -2672,7 +2674,7 @@
           <a:p>
             <a:fld id="{0F075BDC-DAFF-45A9-86E9-A0ED72DF0971}" type="datetimeFigureOut">
               <a:rPr lang="zh-TW" altLang="en-US" smtClean="0"/>
-              <a:t>2025/7/26</a:t>
+              <a:t>2025/7/28</a:t>
             </a:fld>
             <a:endParaRPr lang="zh-TW" altLang="en-US"/>
           </a:p>
@@ -2913,7 +2915,7 @@
           <a:p>
             <a:fld id="{0F075BDC-DAFF-45A9-86E9-A0ED72DF0971}" type="datetimeFigureOut">
               <a:rPr lang="zh-TW" altLang="en-US" smtClean="0"/>
-              <a:t>2025/7/26</a:t>
+              <a:t>2025/7/28</a:t>
             </a:fld>
             <a:endParaRPr lang="zh-TW" altLang="en-US"/>
           </a:p>
@@ -3792,6 +3794,226 @@
     <p:extLst>
       <p:ext uri="{BB962C8B-B14F-4D97-AF65-F5344CB8AC3E}">
         <p14:creationId xmlns:p14="http://schemas.microsoft.com/office/powerpoint/2010/main" val="742912308"/>
+      </p:ext>
+    </p:extLst>
+  </p:cSld>
+  <p:clrMapOvr>
+    <a:masterClrMapping/>
+  </p:clrMapOvr>
+</p:sld>
+</file>
+
+<file path=ppt/slides/slide6.xml><?xml version="1.0" encoding="utf-8"?>
+<p:sld xmlns:a="http://schemas.openxmlformats.org/drawingml/2006/main" xmlns:r="http://schemas.openxmlformats.org/officeDocument/2006/relationships" xmlns:p="http://schemas.openxmlformats.org/presentationml/2006/main">
+  <p:cSld>
+    <p:spTree>
+      <p:nvGrpSpPr>
+        <p:cNvPr id="1" name=""/>
+        <p:cNvGrpSpPr/>
+        <p:nvPr/>
+      </p:nvGrpSpPr>
+      <p:grpSpPr>
+        <a:xfrm>
+          <a:off x="0" y="0"/>
+          <a:ext cx="0" cy="0"/>
+          <a:chOff x="0" y="0"/>
+          <a:chExt cx="0" cy="0"/>
+        </a:xfrm>
+      </p:grpSpPr>
+      <p:sp>
+        <p:nvSpPr>
+          <p:cNvPr id="2" name="標題 1">
+            <a:extLst>
+              <a:ext uri="{FF2B5EF4-FFF2-40B4-BE49-F238E27FC236}">
+                <a16:creationId xmlns:a16="http://schemas.microsoft.com/office/drawing/2014/main" id="{76E09CB1-3AC6-A44D-BFBD-99B54BBF34B6}"/>
+              </a:ext>
+            </a:extLst>
+          </p:cNvPr>
+          <p:cNvSpPr>
+            <a:spLocks noGrp="1"/>
+          </p:cNvSpPr>
+          <p:nvPr>
+            <p:ph type="title"/>
+          </p:nvPr>
+        </p:nvSpPr>
+        <p:spPr/>
+        <p:txBody>
+          <a:bodyPr/>
+          <a:lstStyle/>
+          <a:p>
+            <a:endParaRPr lang="zh-TW" altLang="en-US"/>
+          </a:p>
+        </p:txBody>
+      </p:sp>
+      <p:sp>
+        <p:nvSpPr>
+          <p:cNvPr id="3" name="內容版面配置區 2">
+            <a:extLst>
+              <a:ext uri="{FF2B5EF4-FFF2-40B4-BE49-F238E27FC236}">
+                <a16:creationId xmlns:a16="http://schemas.microsoft.com/office/drawing/2014/main" id="{7B798362-BC5C-3039-61E6-30B89BDA9453}"/>
+              </a:ext>
+            </a:extLst>
+          </p:cNvPr>
+          <p:cNvSpPr>
+            <a:spLocks noGrp="1"/>
+          </p:cNvSpPr>
+          <p:nvPr>
+            <p:ph idx="1"/>
+          </p:nvPr>
+        </p:nvSpPr>
+        <p:spPr/>
+        <p:txBody>
+          <a:bodyPr/>
+          <a:lstStyle/>
+          <a:p>
+            <a:endParaRPr lang="zh-TW" altLang="en-US"/>
+          </a:p>
+        </p:txBody>
+      </p:sp>
+      <p:pic>
+        <p:nvPicPr>
+          <p:cNvPr id="7" name="圖片 6">
+            <a:extLst>
+              <a:ext uri="{FF2B5EF4-FFF2-40B4-BE49-F238E27FC236}">
+                <a16:creationId xmlns:a16="http://schemas.microsoft.com/office/drawing/2014/main" id="{D671AE64-BBC6-0120-3A4A-447F526D4A49}"/>
+              </a:ext>
+            </a:extLst>
+          </p:cNvPr>
+          <p:cNvPicPr>
+            <a:picLocks noChangeAspect="1"/>
+          </p:cNvPicPr>
+          <p:nvPr/>
+        </p:nvPicPr>
+        <p:blipFill>
+          <a:blip r:embed="rId2"/>
+          <a:stretch>
+            <a:fillRect/>
+          </a:stretch>
+        </p:blipFill>
+        <p:spPr>
+          <a:xfrm>
+            <a:off x="948830" y="825910"/>
+            <a:ext cx="9943007" cy="4954536"/>
+          </a:xfrm>
+          <a:prstGeom prst="rect">
+            <a:avLst/>
+          </a:prstGeom>
+        </p:spPr>
+      </p:pic>
+    </p:spTree>
+    <p:extLst>
+      <p:ext uri="{BB962C8B-B14F-4D97-AF65-F5344CB8AC3E}">
+        <p14:creationId xmlns:p14="http://schemas.microsoft.com/office/powerpoint/2010/main" val="1440667652"/>
+      </p:ext>
+    </p:extLst>
+  </p:cSld>
+  <p:clrMapOvr>
+    <a:masterClrMapping/>
+  </p:clrMapOvr>
+</p:sld>
+</file>
+
+<file path=ppt/slides/slide7.xml><?xml version="1.0" encoding="utf-8"?>
+<p:sld xmlns:a="http://schemas.openxmlformats.org/drawingml/2006/main" xmlns:r="http://schemas.openxmlformats.org/officeDocument/2006/relationships" xmlns:p="http://schemas.openxmlformats.org/presentationml/2006/main">
+  <p:cSld>
+    <p:spTree>
+      <p:nvGrpSpPr>
+        <p:cNvPr id="1" name=""/>
+        <p:cNvGrpSpPr/>
+        <p:nvPr/>
+      </p:nvGrpSpPr>
+      <p:grpSpPr>
+        <a:xfrm>
+          <a:off x="0" y="0"/>
+          <a:ext cx="0" cy="0"/>
+          <a:chOff x="0" y="0"/>
+          <a:chExt cx="0" cy="0"/>
+        </a:xfrm>
+      </p:grpSpPr>
+      <p:sp>
+        <p:nvSpPr>
+          <p:cNvPr id="2" name="標題 1">
+            <a:extLst>
+              <a:ext uri="{FF2B5EF4-FFF2-40B4-BE49-F238E27FC236}">
+                <a16:creationId xmlns:a16="http://schemas.microsoft.com/office/drawing/2014/main" id="{CACB0E41-4BA2-5BE5-FEB5-6A28001A819D}"/>
+              </a:ext>
+            </a:extLst>
+          </p:cNvPr>
+          <p:cNvSpPr>
+            <a:spLocks noGrp="1"/>
+          </p:cNvSpPr>
+          <p:nvPr>
+            <p:ph type="title"/>
+          </p:nvPr>
+        </p:nvSpPr>
+        <p:spPr/>
+        <p:txBody>
+          <a:bodyPr/>
+          <a:lstStyle/>
+          <a:p>
+            <a:endParaRPr lang="zh-TW" altLang="en-US"/>
+          </a:p>
+        </p:txBody>
+      </p:sp>
+      <p:sp>
+        <p:nvSpPr>
+          <p:cNvPr id="3" name="內容版面配置區 2">
+            <a:extLst>
+              <a:ext uri="{FF2B5EF4-FFF2-40B4-BE49-F238E27FC236}">
+                <a16:creationId xmlns:a16="http://schemas.microsoft.com/office/drawing/2014/main" id="{58DD519F-8490-871B-C0AA-E523144A5986}"/>
+              </a:ext>
+            </a:extLst>
+          </p:cNvPr>
+          <p:cNvSpPr>
+            <a:spLocks noGrp="1"/>
+          </p:cNvSpPr>
+          <p:nvPr>
+            <p:ph idx="1"/>
+          </p:nvPr>
+        </p:nvSpPr>
+        <p:spPr/>
+        <p:txBody>
+          <a:bodyPr/>
+          <a:lstStyle/>
+          <a:p>
+            <a:endParaRPr lang="zh-TW" altLang="en-US"/>
+          </a:p>
+        </p:txBody>
+      </p:sp>
+      <p:pic>
+        <p:nvPicPr>
+          <p:cNvPr id="5" name="圖片 4">
+            <a:extLst>
+              <a:ext uri="{FF2B5EF4-FFF2-40B4-BE49-F238E27FC236}">
+                <a16:creationId xmlns:a16="http://schemas.microsoft.com/office/drawing/2014/main" id="{9B84A552-47CA-B2C9-A2D9-DCA6DD319FD8}"/>
+              </a:ext>
+            </a:extLst>
+          </p:cNvPr>
+          <p:cNvPicPr>
+            <a:picLocks noChangeAspect="1"/>
+          </p:cNvPicPr>
+          <p:nvPr/>
+        </p:nvPicPr>
+        <p:blipFill>
+          <a:blip r:embed="rId2"/>
+          <a:stretch>
+            <a:fillRect/>
+          </a:stretch>
+        </p:blipFill>
+        <p:spPr>
+          <a:xfrm>
+            <a:off x="965777" y="772477"/>
+            <a:ext cx="10115638" cy="5153025"/>
+          </a:xfrm>
+          <a:prstGeom prst="rect">
+            <a:avLst/>
+          </a:prstGeom>
+        </p:spPr>
+      </p:pic>
+    </p:spTree>
+    <p:extLst>
+      <p:ext uri="{BB962C8B-B14F-4D97-AF65-F5344CB8AC3E}">
+        <p14:creationId xmlns:p14="http://schemas.microsoft.com/office/powerpoint/2010/main" val="2191648803"/>
       </p:ext>
     </p:extLst>
   </p:cSld>
